--- a/Fall2018 Lecture Notes/Chapter 1 Lecture.pptx
+++ b/Fall2018 Lecture Notes/Chapter 1 Lecture.pptx
@@ -3,7 +3,7 @@
 <p:presentation xmlns:a="http://schemas.openxmlformats.org/drawingml/2006/main" xmlns:r="http://schemas.openxmlformats.org/officeDocument/2006/relationships" xmlns:p="http://schemas.openxmlformats.org/presentationml/2006/main" strictFirstAndLastChars="0" saveSubsetFonts="1" autoCompressPictures="0">
   <p:sldMasterIdLst>
     <p:sldMasterId id="2147483650" r:id="rId1"/>
-    <p:sldMasterId id="2147483662" r:id="rId2"/>
+    <p:sldMasterId id="2147483674" r:id="rId2"/>
   </p:sldMasterIdLst>
   <p:notesMasterIdLst>
     <p:notesMasterId r:id="rId35"/>
@@ -2970,7 +2970,7 @@
               <a:pPr>
                 <a:defRPr/>
               </a:pPr>
-              <a:t>6/26/2018</a:t>
+              <a:t>7/16/2018</a:t>
             </a:fld>
             <a:endParaRPr lang="en-US"/>
           </a:p>
@@ -3203,7 +3203,7 @@
               <a:pPr>
                 <a:defRPr/>
               </a:pPr>
-              <a:t>6/26/2018</a:t>
+              <a:t>7/16/2018</a:t>
             </a:fld>
             <a:endParaRPr lang="en-US"/>
           </a:p>
@@ -3436,7 +3436,7 @@
               <a:pPr>
                 <a:defRPr/>
               </a:pPr>
-              <a:t>6/26/2018</a:t>
+              <a:t>7/16/2018</a:t>
             </a:fld>
             <a:endParaRPr lang="en-US"/>
           </a:p>
@@ -3759,7 +3759,7 @@
               <a:pPr>
                 <a:defRPr/>
               </a:pPr>
-              <a:t>6/26/2018</a:t>
+              <a:t>7/16/2018</a:t>
             </a:fld>
             <a:endParaRPr lang="en-US"/>
           </a:p>
@@ -3857,7 +3857,7 @@
     </p:spTree>
     <p:extLst>
       <p:ext uri="{BB962C8B-B14F-4D97-AF65-F5344CB8AC3E}">
-        <p14:creationId xmlns:p14="http://schemas.microsoft.com/office/powerpoint/2010/main" val="1753995860"/>
+        <p14:creationId xmlns:p14="http://schemas.microsoft.com/office/powerpoint/2010/main" val="1878188577"/>
       </p:ext>
     </p:extLst>
   </p:cSld>
@@ -3920,42 +3920,57 @@
         <p:spPr/>
         <p:txBody>
           <a:bodyPr/>
-          <a:lstStyle/>
+          <a:lstStyle>
+            <a:lvl1pPr>
+              <a:defRPr sz="2400"/>
+            </a:lvl1pPr>
+            <a:lvl2pPr>
+              <a:defRPr sz="2200"/>
+            </a:lvl2pPr>
+            <a:lvl3pPr>
+              <a:defRPr sz="2200"/>
+            </a:lvl3pPr>
+            <a:lvl4pPr>
+              <a:defRPr sz="2200"/>
+            </a:lvl4pPr>
+            <a:lvl5pPr>
+              <a:defRPr sz="2200"/>
+            </a:lvl5pPr>
+          </a:lstStyle>
           <a:p>
             <a:pPr lvl="0"/>
             <a:r>
-              <a:rPr lang="en-US"/>
+              <a:rPr lang="en-US" dirty="0"/>
               <a:t>Edit Master text styles</a:t>
             </a:r>
           </a:p>
           <a:p>
             <a:pPr lvl="1"/>
             <a:r>
-              <a:rPr lang="en-US"/>
+              <a:rPr lang="en-US" dirty="0"/>
               <a:t>Second level</a:t>
             </a:r>
           </a:p>
           <a:p>
             <a:pPr lvl="2"/>
             <a:r>
-              <a:rPr lang="en-US"/>
+              <a:rPr lang="en-US" dirty="0"/>
               <a:t>Third level</a:t>
             </a:r>
           </a:p>
           <a:p>
             <a:pPr lvl="3"/>
             <a:r>
-              <a:rPr lang="en-US"/>
+              <a:rPr lang="en-US" dirty="0"/>
               <a:t>Fourth level</a:t>
             </a:r>
           </a:p>
           <a:p>
             <a:pPr lvl="4"/>
             <a:r>
-              <a:rPr lang="en-US"/>
+              <a:rPr lang="en-US" dirty="0"/>
               <a:t>Fifth level</a:t>
             </a:r>
-            <a:endParaRPr lang="en-US" dirty="0"/>
           </a:p>
         </p:txBody>
       </p:sp>
@@ -3982,7 +3997,7 @@
               <a:pPr>
                 <a:defRPr/>
               </a:pPr>
-              <a:t>6/26/2018</a:t>
+              <a:t>7/16/2018</a:t>
             </a:fld>
             <a:endParaRPr lang="en-US"/>
           </a:p>
@@ -4042,7 +4057,7 @@
     </p:spTree>
     <p:extLst>
       <p:ext uri="{BB962C8B-B14F-4D97-AF65-F5344CB8AC3E}">
-        <p14:creationId xmlns:p14="http://schemas.microsoft.com/office/powerpoint/2010/main" val="238983488"/>
+        <p14:creationId xmlns:p14="http://schemas.microsoft.com/office/powerpoint/2010/main" val="3587190394"/>
       </p:ext>
     </p:extLst>
   </p:cSld>
@@ -4340,7 +4355,7 @@
               <a:pPr>
                 <a:defRPr/>
               </a:pPr>
-              <a:t>6/26/2018</a:t>
+              <a:t>7/16/2018</a:t>
             </a:fld>
             <a:endParaRPr lang="en-US"/>
           </a:p>
@@ -4438,7 +4453,7 @@
     </p:spTree>
     <p:extLst>
       <p:ext uri="{BB962C8B-B14F-4D97-AF65-F5344CB8AC3E}">
-        <p14:creationId xmlns:p14="http://schemas.microsoft.com/office/powerpoint/2010/main" val="1055288236"/>
+        <p14:creationId xmlns:p14="http://schemas.microsoft.com/office/powerpoint/2010/main" val="953477457"/>
       </p:ext>
     </p:extLst>
   </p:cSld>
@@ -4630,7 +4645,7 @@
               <a:pPr>
                 <a:defRPr/>
               </a:pPr>
-              <a:t>6/26/2018</a:t>
+              <a:t>7/16/2018</a:t>
             </a:fld>
             <a:endParaRPr lang="en-US"/>
           </a:p>
@@ -4690,7 +4705,7 @@
     </p:spTree>
     <p:extLst>
       <p:ext uri="{BB962C8B-B14F-4D97-AF65-F5344CB8AC3E}">
-        <p14:creationId xmlns:p14="http://schemas.microsoft.com/office/powerpoint/2010/main" val="3160143853"/>
+        <p14:creationId xmlns:p14="http://schemas.microsoft.com/office/powerpoint/2010/main" val="103086080"/>
       </p:ext>
     </p:extLst>
   </p:cSld>
@@ -5024,7 +5039,7 @@
               <a:pPr>
                 <a:defRPr/>
               </a:pPr>
-              <a:t>6/26/2018</a:t>
+              <a:t>7/16/2018</a:t>
             </a:fld>
             <a:endParaRPr lang="en-US"/>
           </a:p>
@@ -5084,7 +5099,7 @@
     </p:spTree>
     <p:extLst>
       <p:ext uri="{BB962C8B-B14F-4D97-AF65-F5344CB8AC3E}">
-        <p14:creationId xmlns:p14="http://schemas.microsoft.com/office/powerpoint/2010/main" val="399802514"/>
+        <p14:creationId xmlns:p14="http://schemas.microsoft.com/office/powerpoint/2010/main" val="1852309477"/>
       </p:ext>
     </p:extLst>
   </p:cSld>
@@ -5157,7 +5172,7 @@
               <a:pPr>
                 <a:defRPr/>
               </a:pPr>
-              <a:t>6/26/2018</a:t>
+              <a:t>7/16/2018</a:t>
             </a:fld>
             <a:endParaRPr lang="en-US"/>
           </a:p>
@@ -5217,7 +5232,7 @@
     </p:spTree>
     <p:extLst>
       <p:ext uri="{BB962C8B-B14F-4D97-AF65-F5344CB8AC3E}">
-        <p14:creationId xmlns:p14="http://schemas.microsoft.com/office/powerpoint/2010/main" val="2586546041"/>
+        <p14:creationId xmlns:p14="http://schemas.microsoft.com/office/powerpoint/2010/main" val="1110370319"/>
       </p:ext>
     </p:extLst>
   </p:cSld>
@@ -5343,7 +5358,7 @@
               <a:pPr>
                 <a:defRPr/>
               </a:pPr>
-              <a:t>6/26/2018</a:t>
+              <a:t>7/16/2018</a:t>
             </a:fld>
             <a:endParaRPr lang="en-US"/>
           </a:p>
@@ -5411,7 +5426,7 @@
     </p:spTree>
     <p:extLst>
       <p:ext uri="{BB962C8B-B14F-4D97-AF65-F5344CB8AC3E}">
-        <p14:creationId xmlns:p14="http://schemas.microsoft.com/office/powerpoint/2010/main" val="2694044335"/>
+        <p14:creationId xmlns:p14="http://schemas.microsoft.com/office/powerpoint/2010/main" val="2806104917"/>
       </p:ext>
     </p:extLst>
   </p:cSld>
@@ -5712,7 +5727,7 @@
               <a:pPr>
                 <a:defRPr/>
               </a:pPr>
-              <a:t>6/26/2018</a:t>
+              <a:t>7/16/2018</a:t>
             </a:fld>
             <a:endParaRPr lang="en-US"/>
           </a:p>
@@ -5793,7 +5808,7 @@
     </p:spTree>
     <p:extLst>
       <p:ext uri="{BB962C8B-B14F-4D97-AF65-F5344CB8AC3E}">
-        <p14:creationId xmlns:p14="http://schemas.microsoft.com/office/powerpoint/2010/main" val="1499044687"/>
+        <p14:creationId xmlns:p14="http://schemas.microsoft.com/office/powerpoint/2010/main" val="2184996714"/>
       </p:ext>
     </p:extLst>
   </p:cSld>
@@ -5945,7 +5960,7 @@
               <a:pPr>
                 <a:defRPr/>
               </a:pPr>
-              <a:t>6/26/2018</a:t>
+              <a:t>7/16/2018</a:t>
             </a:fld>
             <a:endParaRPr lang="en-US"/>
           </a:p>
@@ -6342,7 +6357,7 @@
               <a:pPr>
                 <a:defRPr/>
               </a:pPr>
-              <a:t>6/26/2018</a:t>
+              <a:t>7/16/2018</a:t>
             </a:fld>
             <a:endParaRPr lang="en-US"/>
           </a:p>
@@ -6402,7 +6417,7 @@
     </p:spTree>
     <p:extLst>
       <p:ext uri="{BB962C8B-B14F-4D97-AF65-F5344CB8AC3E}">
-        <p14:creationId xmlns:p14="http://schemas.microsoft.com/office/powerpoint/2010/main" val="216513187"/>
+        <p14:creationId xmlns:p14="http://schemas.microsoft.com/office/powerpoint/2010/main" val="857698221"/>
       </p:ext>
     </p:extLst>
   </p:cSld>
@@ -6527,7 +6542,7 @@
               <a:pPr>
                 <a:defRPr/>
               </a:pPr>
-              <a:t>6/26/2018</a:t>
+              <a:t>7/16/2018</a:t>
             </a:fld>
             <a:endParaRPr lang="en-US"/>
           </a:p>
@@ -6587,7 +6602,7 @@
     </p:spTree>
     <p:extLst>
       <p:ext uri="{BB962C8B-B14F-4D97-AF65-F5344CB8AC3E}">
-        <p14:creationId xmlns:p14="http://schemas.microsoft.com/office/powerpoint/2010/main" val="2271112443"/>
+        <p14:creationId xmlns:p14="http://schemas.microsoft.com/office/powerpoint/2010/main" val="722051430"/>
       </p:ext>
     </p:extLst>
   </p:cSld>
@@ -6798,7 +6813,7 @@
               <a:pPr>
                 <a:defRPr/>
               </a:pPr>
-              <a:t>6/26/2018</a:t>
+              <a:t>7/16/2018</a:t>
             </a:fld>
             <a:endParaRPr lang="en-US"/>
           </a:p>
@@ -6858,7 +6873,7 @@
     </p:spTree>
     <p:extLst>
       <p:ext uri="{BB962C8B-B14F-4D97-AF65-F5344CB8AC3E}">
-        <p14:creationId xmlns:p14="http://schemas.microsoft.com/office/powerpoint/2010/main" val="4038063521"/>
+        <p14:creationId xmlns:p14="http://schemas.microsoft.com/office/powerpoint/2010/main" val="2019970000"/>
       </p:ext>
     </p:extLst>
   </p:cSld>
@@ -7023,7 +7038,7 @@
               <a:pPr>
                 <a:defRPr/>
               </a:pPr>
-              <a:t>6/26/2018</a:t>
+              <a:t>7/16/2018</a:t>
             </a:fld>
             <a:endParaRPr lang="en-US"/>
           </a:p>
@@ -7371,7 +7386,7 @@
               <a:pPr>
                 <a:defRPr/>
               </a:pPr>
-              <a:t>6/26/2018</a:t>
+              <a:t>7/16/2018</a:t>
             </a:fld>
             <a:endParaRPr lang="en-US"/>
           </a:p>
@@ -7859,7 +7874,7 @@
               <a:pPr>
                 <a:defRPr/>
               </a:pPr>
-              <a:t>6/26/2018</a:t>
+              <a:t>7/16/2018</a:t>
             </a:fld>
             <a:endParaRPr lang="en-US"/>
           </a:p>
@@ -8033,7 +8048,7 @@
               <a:pPr>
                 <a:defRPr/>
               </a:pPr>
-              <a:t>6/26/2018</a:t>
+              <a:t>7/16/2018</a:t>
             </a:fld>
             <a:endParaRPr lang="en-US"/>
           </a:p>
@@ -8177,7 +8192,7 @@
               <a:pPr>
                 <a:defRPr/>
               </a:pPr>
-              <a:t>6/26/2018</a:t>
+              <a:t>7/16/2018</a:t>
             </a:fld>
             <a:endParaRPr lang="en-US"/>
           </a:p>
@@ -8510,7 +8525,7 @@
               <a:pPr>
                 <a:defRPr/>
               </a:pPr>
-              <a:t>6/26/2018</a:t>
+              <a:t>7/16/2018</a:t>
             </a:fld>
             <a:endParaRPr lang="en-US"/>
           </a:p>
@@ -8821,7 +8836,7 @@
               <a:pPr>
                 <a:defRPr/>
               </a:pPr>
-              <a:t>6/26/2018</a:t>
+              <a:t>7/16/2018</a:t>
             </a:fld>
             <a:endParaRPr lang="en-US"/>
           </a:p>
@@ -9546,12 +9561,11 @@
             </a:lvl1pPr>
           </a:lstStyle>
           <a:p>
-            <a:fld id="{96DFF08F-DC6B-4601-B491-B0F83F6DD2DA}" type="datetimeFigureOut">
-              <a:rPr lang="en-US" dirty="0"/>
-              <a:pPr/>
-              <a:t>6/26/2018</a:t>
+            <a:fld id="{A55A34E6-C7EA-4242-9DA2-963562E4B064}" type="datetimeFigureOut">
+              <a:rPr lang="en-US" smtClean="0"/>
+              <a:t>7/16/2018</a:t>
             </a:fld>
-            <a:endParaRPr lang="en-US" dirty="0"/>
+            <a:endParaRPr lang="en-US"/>
           </a:p>
         </p:txBody>
       </p:sp>
@@ -9586,7 +9600,7 @@
             </a:lvl1pPr>
           </a:lstStyle>
           <a:p>
-            <a:endParaRPr lang="en-US" dirty="0"/>
+            <a:endParaRPr lang="en-US"/>
           </a:p>
         </p:txBody>
       </p:sp>
@@ -9621,12 +9635,11 @@
             </a:lvl1pPr>
           </a:lstStyle>
           <a:p>
-            <a:fld id="{4FAB73BC-B049-4115-A692-8D63A059BFB8}" type="slidenum">
-              <a:rPr lang="en-US" dirty="0"/>
-              <a:pPr/>
+            <a:fld id="{13C5AD4F-7CCD-2641-A329-80721166DE7A}" type="slidenum">
+              <a:rPr lang="en-US" smtClean="0"/>
               <a:t>‹#›</a:t>
             </a:fld>
-            <a:endParaRPr lang="en-US" dirty="0"/>
+            <a:endParaRPr lang="en-US"/>
           </a:p>
         </p:txBody>
       </p:sp>
@@ -9671,23 +9684,23 @@
     </p:spTree>
     <p:extLst>
       <p:ext uri="{BB962C8B-B14F-4D97-AF65-F5344CB8AC3E}">
-        <p14:creationId xmlns:p14="http://schemas.microsoft.com/office/powerpoint/2010/main" val="4165623072"/>
+        <p14:creationId xmlns:p14="http://schemas.microsoft.com/office/powerpoint/2010/main" val="2247812676"/>
       </p:ext>
     </p:extLst>
   </p:cSld>
   <p:clrMap bg1="lt1" tx1="dk1" bg2="lt2" tx2="dk2" accent1="accent1" accent2="accent2" accent3="accent3" accent4="accent4" accent5="accent5" accent6="accent6" hlink="hlink" folHlink="folHlink"/>
   <p:sldLayoutIdLst>
-    <p:sldLayoutId id="2147483663" r:id="rId1"/>
-    <p:sldLayoutId id="2147483664" r:id="rId2"/>
-    <p:sldLayoutId id="2147483665" r:id="rId3"/>
-    <p:sldLayoutId id="2147483666" r:id="rId4"/>
-    <p:sldLayoutId id="2147483667" r:id="rId5"/>
-    <p:sldLayoutId id="2147483668" r:id="rId6"/>
-    <p:sldLayoutId id="2147483669" r:id="rId7"/>
-    <p:sldLayoutId id="2147483670" r:id="rId8"/>
-    <p:sldLayoutId id="2147483671" r:id="rId9"/>
-    <p:sldLayoutId id="2147483672" r:id="rId10"/>
-    <p:sldLayoutId id="2147483673" r:id="rId11"/>
+    <p:sldLayoutId id="2147483675" r:id="rId1"/>
+    <p:sldLayoutId id="2147483676" r:id="rId2"/>
+    <p:sldLayoutId id="2147483677" r:id="rId3"/>
+    <p:sldLayoutId id="2147483678" r:id="rId4"/>
+    <p:sldLayoutId id="2147483679" r:id="rId5"/>
+    <p:sldLayoutId id="2147483680" r:id="rId6"/>
+    <p:sldLayoutId id="2147483681" r:id="rId7"/>
+    <p:sldLayoutId id="2147483682" r:id="rId8"/>
+    <p:sldLayoutId id="2147483683" r:id="rId9"/>
+    <p:sldLayoutId id="2147483684" r:id="rId10"/>
+    <p:sldLayoutId id="2147483685" r:id="rId11"/>
   </p:sldLayoutIdLst>
   <p:txStyles>
     <p:titleStyle>
@@ -10756,10 +10769,9 @@
           <a:lstStyle/>
           <a:p>
             <a:r>
-              <a:rPr lang="en-US"/>
+              <a:rPr lang="en-US" dirty="0"/>
               <a:t>Variables</a:t>
             </a:r>
-            <a:endParaRPr lang="en-US" dirty="0"/>
           </a:p>
         </p:txBody>
       </p:sp>
@@ -11318,7 +11330,7 @@
         </p:blipFill>
         <p:spPr>
           <a:xfrm>
-            <a:off x="2286000" y="3962400"/>
+            <a:off x="2308859" y="3352800"/>
             <a:ext cx="4572000" cy="2514424"/>
           </a:xfrm>
           <a:prstGeom prst="rect">
@@ -12296,10 +12308,9 @@
           <a:lstStyle/>
           <a:p>
             <a:r>
-              <a:rPr lang="en-US"/>
+              <a:rPr lang="en-US" dirty="0"/>
               <a:t>Branches of Statistics</a:t>
             </a:r>
-            <a:endParaRPr lang="en-US" dirty="0"/>
           </a:p>
         </p:txBody>
       </p:sp>
@@ -13057,7 +13068,7 @@
         </p:blipFill>
         <p:spPr bwMode="auto">
           <a:xfrm>
-            <a:off x="5105400" y="4114800"/>
+            <a:off x="4724400" y="3593254"/>
             <a:ext cx="3352800" cy="2384213"/>
           </a:xfrm>
           <a:prstGeom prst="rect">
@@ -13985,7 +13996,7 @@
 </file>
 
 <file path=ppt/theme/theme2.xml><?xml version="1.0" encoding="utf-8"?>
-<a:theme xmlns:a="http://schemas.openxmlformats.org/drawingml/2006/main" name="Retrospect">
+<a:theme xmlns:a="http://schemas.openxmlformats.org/drawingml/2006/main" name="PSY200 Slides">
   <a:themeElements>
     <a:clrScheme name="Retrospect">
       <a:dk1>
@@ -14261,7 +14272,7 @@
   <a:extraClrSchemeLst/>
   <a:extLst>
     <a:ext uri="{05A4C25C-085E-4340-85A3-A5531E510DB2}">
-      <thm15:themeFamily xmlns:thm15="http://schemas.microsoft.com/office/thememl/2012/main" name="Retrospect" id="{5F128B03-DCCA-4EEB-AB3B-CF2899314A46}" vid="{3F1AAB62-24C6-49D2-8E01-B56FAC9A3DCD}"/>
+      <thm15:themeFamily xmlns:thm15="http://schemas.microsoft.com/office/thememl/2012/main" name="PSY200 Slides" id="{C3DD58E6-4501-4DD2-80C2-2EF5B492CEBB}" vid="{A013E9D2-E8AE-447C-BDF4-B8F563ACDD93}"/>
     </a:ext>
   </a:extLst>
 </a:theme>
